--- a/Twitter purification.pptx
+++ b/Twitter purification.pptx
@@ -3900,6 +3900,13 @@
   <p:clrMapOvr>
     <a:masterClrMapping/>
   </p:clrMapOvr>
+  <p:timing>
+    <p:tnLst>
+      <p:par>
+        <p:cTn id="1" dur="indefinite" restart="never" nodeType="tmRoot"/>
+      </p:par>
+    </p:tnLst>
+  </p:timing>
 </p:sld>
 </file>
 
@@ -4137,6 +4144,13 @@
   <p:clrMapOvr>
     <a:masterClrMapping/>
   </p:clrMapOvr>
+  <p:timing>
+    <p:tnLst>
+      <p:par>
+        <p:cTn id="1" dur="indefinite" restart="never" nodeType="tmRoot"/>
+      </p:par>
+    </p:tnLst>
+  </p:timing>
 </p:sld>
 </file>
 
@@ -4212,7 +4226,23 @@
             </a:r>
             <a:r>
               <a:rPr lang="en-US" dirty="0"/>
-              <a:t>(frequency) of the candidate where w is the original word and c is the candidate</a:t>
+              <a:t>(frequency) of the candidate where </a:t>
+            </a:r>
+            <a:r>
+              <a:rPr lang="en-US" i="1" dirty="0"/>
+              <a:t>w</a:t>
+            </a:r>
+            <a:r>
+              <a:rPr lang="en-US" dirty="0"/>
+              <a:t> is the original word and </a:t>
+            </a:r>
+            <a:r>
+              <a:rPr lang="en-US" i="1" dirty="0"/>
+              <a:t>c</a:t>
+            </a:r>
+            <a:r>
+              <a:rPr lang="en-US" dirty="0"/>
+              <a:t> is the candidate</a:t>
             </a:r>
           </a:p>
           <a:p>
@@ -4224,7 +4254,15 @@
           <a:p>
             <a:r>
               <a:rPr lang="en-US" dirty="0"/>
-              <a:t>If w exists in dictionary, add to list of candidates with maximum score</a:t>
+              <a:t>If </a:t>
+            </a:r>
+            <a:r>
+              <a:rPr lang="en-US" i="1" dirty="0"/>
+              <a:t>w</a:t>
+            </a:r>
+            <a:r>
+              <a:rPr lang="en-US" dirty="0"/>
+              <a:t> exists in dictionary, add to list of candidates with maximum score</a:t>
             </a:r>
           </a:p>
           <a:p>
@@ -4318,6 +4356,13 @@
   <p:clrMapOvr>
     <a:masterClrMapping/>
   </p:clrMapOvr>
+  <p:timing>
+    <p:tnLst>
+      <p:par>
+        <p:cTn id="1" dur="indefinite" restart="never" nodeType="tmRoot"/>
+      </p:par>
+    </p:tnLst>
+  </p:timing>
 </p:sld>
 </file>
 
@@ -4498,6 +4543,13 @@
   <p:clrMapOvr>
     <a:masterClrMapping/>
   </p:clrMapOvr>
+  <p:timing>
+    <p:tnLst>
+      <p:par>
+        <p:cTn id="1" dur="indefinite" restart="never" nodeType="tmRoot"/>
+      </p:par>
+    </p:tnLst>
+  </p:timing>
 </p:sld>
 </file>
 
@@ -4833,6 +4885,13 @@
   <p:clrMapOvr>
     <a:masterClrMapping/>
   </p:clrMapOvr>
+  <p:timing>
+    <p:tnLst>
+      <p:par>
+        <p:cTn id="1" dur="indefinite" restart="never" nodeType="tmRoot"/>
+      </p:par>
+    </p:tnLst>
+  </p:timing>
 </p:sld>
 </file>
 
@@ -5049,7 +5108,63 @@
                   <a:srgbClr val="000000"/>
                 </a:solidFill>
               </a:rPr>
-              <a:t>Unusual words, e.g. </a:t>
+              <a:t>Unusual </a:t>
+            </a:r>
+            <a:r>
+              <a:rPr lang="en-US" altLang="zh-CN" dirty="0" smtClean="0">
+                <a:solidFill>
+                  <a:srgbClr val="000000"/>
+                </a:solidFill>
+              </a:rPr>
+              <a:t>words and slang, </a:t>
+            </a:r>
+            <a:r>
+              <a:rPr lang="en-US" altLang="zh-CN" dirty="0">
+                <a:solidFill>
+                  <a:srgbClr val="000000"/>
+                </a:solidFill>
+              </a:rPr>
+              <a:t>e.g. </a:t>
+            </a:r>
+            <a:r>
+              <a:rPr lang="en-US" altLang="zh-CN" dirty="0" err="1" smtClean="0">
+                <a:solidFill>
+                  <a:srgbClr val="000000"/>
+                </a:solidFill>
+              </a:rPr>
+              <a:t>accio</a:t>
+            </a:r>
+            <a:r>
+              <a:rPr lang="en-US" altLang="zh-CN" dirty="0" smtClean="0">
+                <a:solidFill>
+                  <a:srgbClr val="000000"/>
+                </a:solidFill>
+              </a:rPr>
+              <a:t>, </a:t>
+            </a:r>
+            <a:r>
+              <a:rPr lang="en-US" altLang="zh-CN" dirty="0" err="1" smtClean="0">
+                <a:solidFill>
+                  <a:srgbClr val="000000"/>
+                </a:solidFill>
+              </a:rPr>
+              <a:t>thot</a:t>
+            </a:r>
+            <a:endParaRPr lang="en-US" altLang="zh-CN" dirty="0" smtClean="0">
+              <a:solidFill>
+                <a:srgbClr val="000000"/>
+              </a:solidFill>
+            </a:endParaRPr>
+          </a:p>
+          <a:p>
+            <a:pPr marL="395288" indent="-395288"/>
+            <a:r>
+              <a:rPr lang="en-US" altLang="zh-CN" dirty="0">
+                <a:solidFill>
+                  <a:srgbClr val="000000"/>
+                </a:solidFill>
+              </a:rPr>
+              <a:t>Ambiguous abbreviations, e.g. </a:t>
             </a:r>
             <a:r>
               <a:rPr lang="en-US" altLang="zh-CN" dirty="0" err="1">
@@ -5057,7 +5172,7 @@
                   <a:srgbClr val="000000"/>
                 </a:solidFill>
               </a:rPr>
-              <a:t>accio</a:t>
+              <a:t>kd</a:t>
             </a:r>
             <a:endParaRPr lang="en-US" altLang="zh-CN" dirty="0">
               <a:solidFill>
@@ -5073,26 +5188,15 @@
                   <a:srgbClr val="000000"/>
                 </a:solidFill>
               </a:rPr>
-              <a:t>Metadata lost and/or unconsidered: capitalization, emoji, hashtags</a:t>
-            </a:r>
-          </a:p>
-          <a:p>
-            <a:pPr marL="395288" indent="-395288"/>
-            <a:r>
-              <a:rPr lang="en-US" altLang="zh-CN" dirty="0">
-                <a:solidFill>
-                  <a:srgbClr val="000000"/>
-                </a:solidFill>
-              </a:rPr>
-              <a:t>Ambiguous abbreviations, e.g. </a:t>
-            </a:r>
-            <a:r>
-              <a:rPr lang="en-US" altLang="zh-CN" dirty="0" err="1">
-                <a:solidFill>
-                  <a:srgbClr val="000000"/>
-                </a:solidFill>
-              </a:rPr>
-              <a:t>kd</a:t>
+              <a:t>Abbreviations for multiple words, e.g. </a:t>
+            </a:r>
+            <a:r>
+              <a:rPr lang="en-US" altLang="zh-CN" dirty="0" err="1" smtClean="0">
+                <a:solidFill>
+                  <a:srgbClr val="000000"/>
+                </a:solidFill>
+              </a:rPr>
+              <a:t>tryna</a:t>
             </a:r>
             <a:endParaRPr lang="en-US" altLang="zh-CN" dirty="0">
               <a:solidFill>
@@ -5108,7 +5212,26 @@
                   <a:srgbClr val="000000"/>
                 </a:solidFill>
               </a:rPr>
-              <a:t>Abbreviations for multiple words, e.g. </a:t>
+              <a:t>Metadata lost and/or unconsidered: capitalization, emoji, hashtags</a:t>
+            </a:r>
+          </a:p>
+          <a:p>
+            <a:pPr marL="395288" indent="-395288"/>
+            <a:r>
+              <a:rPr lang="en-US" altLang="zh-CN" dirty="0" smtClean="0">
+                <a:solidFill>
+                  <a:srgbClr val="000000"/>
+                </a:solidFill>
+              </a:rPr>
+              <a:t>Aesthetically </a:t>
+            </a:r>
+            <a:r>
+              <a:rPr lang="en-US" altLang="zh-CN" dirty="0">
+                <a:solidFill>
+                  <a:srgbClr val="000000"/>
+                </a:solidFill>
+              </a:rPr>
+              <a:t>split words, e.g. P R E T </a:t>
             </a:r>
             <a:r>
               <a:rPr lang="en-US" altLang="zh-CN" dirty="0" err="1">
@@ -5116,70 +5239,37 @@
                   <a:srgbClr val="000000"/>
                 </a:solidFill>
               </a:rPr>
-              <a:t>tryna</a:t>
-            </a:r>
-            <a:endParaRPr lang="en-US" altLang="zh-CN" dirty="0">
-              <a:solidFill>
-                <a:srgbClr val="000000"/>
-              </a:solidFill>
-            </a:endParaRPr>
+              <a:t>T</a:t>
+            </a:r>
+            <a:r>
+              <a:rPr lang="en-US" altLang="zh-CN" dirty="0">
+                <a:solidFill>
+                  <a:srgbClr val="000000"/>
+                </a:solidFill>
+              </a:rPr>
+              <a:t> Y</a:t>
+            </a:r>
           </a:p>
           <a:p>
             <a:pPr marL="395288" indent="-395288"/>
             <a:r>
-              <a:rPr lang="en-US" altLang="zh-CN" dirty="0">
-                <a:solidFill>
-                  <a:srgbClr val="000000"/>
-                </a:solidFill>
-              </a:rPr>
-              <a:t>Aesthetically split words, e.g. P R E T </a:t>
-            </a:r>
-            <a:r>
-              <a:rPr lang="en-US" altLang="zh-CN" dirty="0" err="1">
-                <a:solidFill>
-                  <a:srgbClr val="000000"/>
-                </a:solidFill>
-              </a:rPr>
-              <a:t>T</a:t>
-            </a:r>
-            <a:r>
-              <a:rPr lang="en-US" altLang="zh-CN" dirty="0">
-                <a:solidFill>
-                  <a:srgbClr val="000000"/>
-                </a:solidFill>
-              </a:rPr>
-              <a:t> Y</a:t>
+              <a:rPr lang="en-US" altLang="zh-CN" dirty="0" smtClean="0">
+                <a:solidFill>
+                  <a:srgbClr val="000000"/>
+                </a:solidFill>
+              </a:rPr>
+              <a:t>Candidate generation refinement</a:t>
             </a:r>
           </a:p>
           <a:p>
             <a:pPr marL="395288" indent="-395288"/>
             <a:r>
-              <a:rPr lang="en-US" altLang="zh-CN" dirty="0">
-                <a:solidFill>
-                  <a:srgbClr val="000000"/>
-                </a:solidFill>
-              </a:rPr>
-              <a:t>Slang, e.g. </a:t>
-            </a:r>
-            <a:r>
-              <a:rPr lang="en-US" altLang="zh-CN" dirty="0" err="1" smtClean="0">
-                <a:solidFill>
-                  <a:srgbClr val="000000"/>
-                </a:solidFill>
-              </a:rPr>
-              <a:t>thot</a:t>
-            </a:r>
-            <a:endParaRPr lang="en-US" altLang="zh-CN" dirty="0" smtClean="0"/>
-          </a:p>
-          <a:p>
-            <a:pPr marL="395288" indent="-395288"/>
-            <a:r>
               <a:rPr lang="en-US" altLang="zh-CN" dirty="0" smtClean="0">
                 <a:solidFill>
                   <a:srgbClr val="000000"/>
                 </a:solidFill>
               </a:rPr>
-              <a:t>Candidate generation refinement</a:t>
+              <a:t>Performance refinement</a:t>
             </a:r>
             <a:endParaRPr lang="en-US" altLang="zh-CN" dirty="0">
               <a:solidFill>
@@ -5323,6 +5413,13 @@
   <p:clrMapOvr>
     <a:masterClrMapping/>
   </p:clrMapOvr>
+  <p:timing>
+    <p:tnLst>
+      <p:par>
+        <p:cTn id="1" dur="indefinite" restart="never" nodeType="tmRoot"/>
+      </p:par>
+    </p:tnLst>
+  </p:timing>
 </p:sld>
 </file>
 
@@ -5514,6 +5611,13 @@
   <p:clrMapOvr>
     <a:masterClrMapping/>
   </p:clrMapOvr>
+  <p:timing>
+    <p:tnLst>
+      <p:par>
+        <p:cTn id="1" dur="indefinite" restart="never" nodeType="tmRoot"/>
+      </p:par>
+    </p:tnLst>
+  </p:timing>
 </p:sld>
 </file>
 
@@ -5887,6 +5991,13 @@
   <p:clrMapOvr>
     <a:masterClrMapping/>
   </p:clrMapOvr>
+  <p:timing>
+    <p:tnLst>
+      <p:par>
+        <p:cTn id="1" dur="indefinite" restart="never" nodeType="tmRoot"/>
+      </p:par>
+    </p:tnLst>
+  </p:timing>
 </p:sld>
 </file>
 
@@ -6034,6 +6145,13 @@
   <p:clrMapOvr>
     <a:masterClrMapping/>
   </p:clrMapOvr>
+  <p:timing>
+    <p:tnLst>
+      <p:par>
+        <p:cTn id="1" dur="indefinite" restart="never" nodeType="tmRoot"/>
+      </p:par>
+    </p:tnLst>
+  </p:timing>
 </p:sld>
 </file>
 
@@ -6316,6 +6434,13 @@
   <p:clrMapOvr>
     <a:masterClrMapping/>
   </p:clrMapOvr>
+  <p:timing>
+    <p:tnLst>
+      <p:par>
+        <p:cTn id="1" dur="indefinite" restart="never" nodeType="tmRoot"/>
+      </p:par>
+    </p:tnLst>
+  </p:timing>
 </p:sld>
 </file>
 
